--- a/Presentation1.pptx
+++ b/Presentation1.pptx
@@ -6,6 +6,7 @@
   </p:sldMasterIdLst>
   <p:sldIdLst>
     <p:sldId id="256" r:id="rId2"/>
+    <p:sldId id="257" r:id="rId3"/>
   </p:sldIdLst>
   <p:sldSz cx="12192000" cy="6858000"/>
   <p:notesSz cx="6858000" cy="9144000"/>
@@ -104,6 +105,11 @@
       </a:defRPr>
     </a:lvl9pPr>
   </p:defaultTextStyle>
+  <p:extLst>
+    <p:ext uri="{EFAFB233-063F-42B5-8137-9DF3F51BA10A}">
+      <p15:sldGuideLst xmlns:p15="http://schemas.microsoft.com/office/powerpoint/2012/main"/>
+    </p:ext>
+  </p:extLst>
 </p:presentation>
 </file>
 
@@ -254,7 +260,7 @@
           <a:p>
             <a:fld id="{2D8E5DBD-EFF3-4821-8C10-C334468AEE60}" type="datetimeFigureOut">
               <a:rPr lang="en-US" smtClean="0"/>
-              <a:t>5/3/2019</a:t>
+              <a:t>5/21/2019</a:t>
             </a:fld>
             <a:endParaRPr lang="en-US"/>
           </a:p>
@@ -452,7 +458,7 @@
           <a:p>
             <a:fld id="{2D8E5DBD-EFF3-4821-8C10-C334468AEE60}" type="datetimeFigureOut">
               <a:rPr lang="en-US" smtClean="0"/>
-              <a:t>5/3/2019</a:t>
+              <a:t>5/21/2019</a:t>
             </a:fld>
             <a:endParaRPr lang="en-US"/>
           </a:p>
@@ -660,7 +666,7 @@
           <a:p>
             <a:fld id="{2D8E5DBD-EFF3-4821-8C10-C334468AEE60}" type="datetimeFigureOut">
               <a:rPr lang="en-US" smtClean="0"/>
-              <a:t>5/3/2019</a:t>
+              <a:t>5/21/2019</a:t>
             </a:fld>
             <a:endParaRPr lang="en-US"/>
           </a:p>
@@ -858,7 +864,7 @@
           <a:p>
             <a:fld id="{2D8E5DBD-EFF3-4821-8C10-C334468AEE60}" type="datetimeFigureOut">
               <a:rPr lang="en-US" smtClean="0"/>
-              <a:t>5/3/2019</a:t>
+              <a:t>5/21/2019</a:t>
             </a:fld>
             <a:endParaRPr lang="en-US"/>
           </a:p>
@@ -1133,7 +1139,7 @@
           <a:p>
             <a:fld id="{2D8E5DBD-EFF3-4821-8C10-C334468AEE60}" type="datetimeFigureOut">
               <a:rPr lang="en-US" smtClean="0"/>
-              <a:t>5/3/2019</a:t>
+              <a:t>5/21/2019</a:t>
             </a:fld>
             <a:endParaRPr lang="en-US"/>
           </a:p>
@@ -1398,7 +1404,7 @@
           <a:p>
             <a:fld id="{2D8E5DBD-EFF3-4821-8C10-C334468AEE60}" type="datetimeFigureOut">
               <a:rPr lang="en-US" smtClean="0"/>
-              <a:t>5/3/2019</a:t>
+              <a:t>5/21/2019</a:t>
             </a:fld>
             <a:endParaRPr lang="en-US"/>
           </a:p>
@@ -1810,7 +1816,7 @@
           <a:p>
             <a:fld id="{2D8E5DBD-EFF3-4821-8C10-C334468AEE60}" type="datetimeFigureOut">
               <a:rPr lang="en-US" smtClean="0"/>
-              <a:t>5/3/2019</a:t>
+              <a:t>5/21/2019</a:t>
             </a:fld>
             <a:endParaRPr lang="en-US"/>
           </a:p>
@@ -1951,7 +1957,7 @@
           <a:p>
             <a:fld id="{2D8E5DBD-EFF3-4821-8C10-C334468AEE60}" type="datetimeFigureOut">
               <a:rPr lang="en-US" smtClean="0"/>
-              <a:t>5/3/2019</a:t>
+              <a:t>5/21/2019</a:t>
             </a:fld>
             <a:endParaRPr lang="en-US"/>
           </a:p>
@@ -2064,7 +2070,7 @@
           <a:p>
             <a:fld id="{2D8E5DBD-EFF3-4821-8C10-C334468AEE60}" type="datetimeFigureOut">
               <a:rPr lang="en-US" smtClean="0"/>
-              <a:t>5/3/2019</a:t>
+              <a:t>5/21/2019</a:t>
             </a:fld>
             <a:endParaRPr lang="en-US"/>
           </a:p>
@@ -2375,7 +2381,7 @@
           <a:p>
             <a:fld id="{2D8E5DBD-EFF3-4821-8C10-C334468AEE60}" type="datetimeFigureOut">
               <a:rPr lang="en-US" smtClean="0"/>
-              <a:t>5/3/2019</a:t>
+              <a:t>5/21/2019</a:t>
             </a:fld>
             <a:endParaRPr lang="en-US"/>
           </a:p>
@@ -2663,7 +2669,7 @@
           <a:p>
             <a:fld id="{2D8E5DBD-EFF3-4821-8C10-C334468AEE60}" type="datetimeFigureOut">
               <a:rPr lang="en-US" smtClean="0"/>
-              <a:t>5/3/2019</a:t>
+              <a:t>5/21/2019</a:t>
             </a:fld>
             <a:endParaRPr lang="en-US"/>
           </a:p>
@@ -2904,7 +2910,7 @@
           <a:p>
             <a:fld id="{2D8E5DBD-EFF3-4821-8C10-C334468AEE60}" type="datetimeFigureOut">
               <a:rPr lang="en-US" smtClean="0"/>
-              <a:t>5/3/2019</a:t>
+              <a:t>5/21/2019</a:t>
             </a:fld>
             <a:endParaRPr lang="en-US"/>
           </a:p>
@@ -3919,8 +3925,8 @@
           </a:p>
         </p:txBody>
       </p:sp>
-      <mc:AlternateContent xmlns:mc="http://schemas.openxmlformats.org/markup-compatibility/2006">
-        <mc:Choice xmlns:a14="http://schemas.microsoft.com/office/drawing/2010/main" Requires="a14">
+      <mc:AlternateContent xmlns:mc="http://schemas.openxmlformats.org/markup-compatibility/2006" xmlns:a14="http://schemas.microsoft.com/office/drawing/2010/main">
+        <mc:Choice Requires="a14">
           <p:sp>
             <p:nvSpPr>
               <p:cNvPr id="6" name="TextBox 5">
@@ -4127,7 +4133,7 @@
             </p:txBody>
           </p:sp>
         </mc:Choice>
-        <mc:Fallback>
+        <mc:Fallback xmlns="">
           <p:sp>
             <p:nvSpPr>
               <p:cNvPr id="6" name="TextBox 5">
@@ -4176,6 +4182,2597 @@
     <p:extLst>
       <p:ext uri="{BB962C8B-B14F-4D97-AF65-F5344CB8AC3E}">
         <p14:creationId xmlns:p14="http://schemas.microsoft.com/office/powerpoint/2010/main" val="3242556295"/>
+      </p:ext>
+    </p:extLst>
+  </p:cSld>
+  <p:clrMapOvr>
+    <a:masterClrMapping/>
+  </p:clrMapOvr>
+</p:sld>
+</file>
+
+<file path=ppt/slides/slide2.xml><?xml version="1.0" encoding="utf-8"?>
+<p:sld xmlns:a="http://schemas.openxmlformats.org/drawingml/2006/main" xmlns:r="http://schemas.openxmlformats.org/officeDocument/2006/relationships" xmlns:p="http://schemas.openxmlformats.org/presentationml/2006/main">
+  <p:cSld>
+    <p:spTree>
+      <p:nvGrpSpPr>
+        <p:cNvPr id="1" name=""/>
+        <p:cNvGrpSpPr/>
+        <p:nvPr/>
+      </p:nvGrpSpPr>
+      <p:grpSpPr>
+        <a:xfrm>
+          <a:off x="0" y="0"/>
+          <a:ext cx="0" cy="0"/>
+          <a:chOff x="0" y="0"/>
+          <a:chExt cx="0" cy="0"/>
+        </a:xfrm>
+      </p:grpSpPr>
+      <p:graphicFrame>
+        <p:nvGraphicFramePr>
+          <p:cNvPr id="4" name="Table 3">
+            <a:extLst>
+              <a:ext uri="{FF2B5EF4-FFF2-40B4-BE49-F238E27FC236}">
+                <a16:creationId xmlns:a16="http://schemas.microsoft.com/office/drawing/2014/main" id="{15251509-FA1A-4623-8F27-4C11177B04C7}"/>
+              </a:ext>
+            </a:extLst>
+          </p:cNvPr>
+          <p:cNvGraphicFramePr>
+            <a:graphicFrameLocks noGrp="1"/>
+          </p:cNvGraphicFramePr>
+          <p:nvPr>
+            <p:extLst>
+              <p:ext uri="{D42A27DB-BD31-4B8C-83A1-F6EECF244321}">
+                <p14:modId xmlns:p14="http://schemas.microsoft.com/office/powerpoint/2010/main" val="308143624"/>
+              </p:ext>
+            </p:extLst>
+          </p:nvPr>
+        </p:nvGraphicFramePr>
+        <p:xfrm>
+          <a:off x="584200" y="212725"/>
+          <a:ext cx="3321050" cy="6299200"/>
+        </p:xfrm>
+        <a:graphic>
+          <a:graphicData uri="http://schemas.openxmlformats.org/drawingml/2006/table">
+            <a:tbl>
+              <a:tblPr firstRow="1" bandRow="1">
+                <a:tableStyleId>{5C22544A-7EE6-4342-B048-85BDC9FD1C3A}</a:tableStyleId>
+              </a:tblPr>
+              <a:tblGrid>
+                <a:gridCol w="1644650">
+                  <a:extLst>
+                    <a:ext uri="{9D8B030D-6E8A-4147-A177-3AD203B41FA5}">
+                      <a16:colId xmlns:a16="http://schemas.microsoft.com/office/drawing/2014/main" val="2982905724"/>
+                    </a:ext>
+                  </a:extLst>
+                </a:gridCol>
+                <a:gridCol w="1028700">
+                  <a:extLst>
+                    <a:ext uri="{9D8B030D-6E8A-4147-A177-3AD203B41FA5}">
+                      <a16:colId xmlns:a16="http://schemas.microsoft.com/office/drawing/2014/main" val="4162950074"/>
+                    </a:ext>
+                  </a:extLst>
+                </a:gridCol>
+                <a:gridCol w="647700">
+                  <a:extLst>
+                    <a:ext uri="{9D8B030D-6E8A-4147-A177-3AD203B41FA5}">
+                      <a16:colId xmlns:a16="http://schemas.microsoft.com/office/drawing/2014/main" val="4289056651"/>
+                    </a:ext>
+                  </a:extLst>
+                </a:gridCol>
+              </a:tblGrid>
+              <a:tr h="370840">
+                <a:tc>
+                  <a:txBody>
+                    <a:bodyPr/>
+                    <a:lstStyle/>
+                    <a:p>
+                      <a:r>
+                        <a:rPr lang="da-DK" dirty="0"/>
+                        <a:t>Parameter</a:t>
+                      </a:r>
+                      <a:endParaRPr lang="en-US" dirty="0"/>
+                    </a:p>
+                  </a:txBody>
+                  <a:tcPr/>
+                </a:tc>
+                <a:tc>
+                  <a:txBody>
+                    <a:bodyPr/>
+                    <a:lstStyle/>
+                    <a:p>
+                      <a:r>
+                        <a:rPr lang="da-DK" sz="1200" dirty="0" err="1"/>
+                        <a:t>Correlation</a:t>
+                      </a:r>
+                      <a:endParaRPr lang="en-US" sz="1200" dirty="0"/>
+                    </a:p>
+                  </a:txBody>
+                  <a:tcPr/>
+                </a:tc>
+                <a:tc>
+                  <a:txBody>
+                    <a:bodyPr/>
+                    <a:lstStyle/>
+                    <a:p>
+                      <a:r>
+                        <a:rPr lang="da-DK" dirty="0"/>
+                        <a:t>p &gt; t</a:t>
+                      </a:r>
+                      <a:endParaRPr lang="en-US" dirty="0"/>
+                    </a:p>
+                  </a:txBody>
+                  <a:tcPr/>
+                </a:tc>
+                <a:extLst>
+                  <a:ext uri="{0D108BD9-81ED-4DB2-BD59-A6C34878D82A}">
+                    <a16:rowId xmlns:a16="http://schemas.microsoft.com/office/drawing/2014/main" val="1777840895"/>
+                  </a:ext>
+                </a:extLst>
+              </a:tr>
+              <a:tr h="233469">
+                <a:tc>
+                  <a:txBody>
+                    <a:bodyPr/>
+                    <a:lstStyle/>
+                    <a:p>
+                      <a:r>
+                        <a:rPr lang="en-US" sz="900" dirty="0"/>
+                        <a:t>Surgery </a:t>
+                      </a:r>
+                    </a:p>
+                  </a:txBody>
+                  <a:tcPr/>
+                </a:tc>
+                <a:tc>
+                  <a:txBody>
+                    <a:bodyPr/>
+                    <a:lstStyle/>
+                    <a:p>
+                      <a:r>
+                        <a:rPr lang="en-US" dirty="0"/>
+                        <a:t>0.17</a:t>
+                      </a:r>
+                    </a:p>
+                  </a:txBody>
+                  <a:tcPr/>
+                </a:tc>
+                <a:tc>
+                  <a:txBody>
+                    <a:bodyPr/>
+                    <a:lstStyle/>
+                    <a:p>
+                      <a:r>
+                        <a:rPr lang="da-DK" dirty="0"/>
+                        <a:t>0.14</a:t>
+                      </a:r>
+                      <a:endParaRPr lang="en-US" dirty="0"/>
+                    </a:p>
+                  </a:txBody>
+                  <a:tcPr/>
+                </a:tc>
+                <a:extLst>
+                  <a:ext uri="{0D108BD9-81ED-4DB2-BD59-A6C34878D82A}">
+                    <a16:rowId xmlns:a16="http://schemas.microsoft.com/office/drawing/2014/main" val="3679804747"/>
+                  </a:ext>
+                </a:extLst>
+              </a:tr>
+              <a:tr h="370840">
+                <a:tc>
+                  <a:txBody>
+                    <a:bodyPr/>
+                    <a:lstStyle/>
+                    <a:p>
+                      <a:r>
+                        <a:rPr lang="en-US" sz="900" dirty="0" err="1"/>
+                        <a:t>Embo</a:t>
+                      </a:r>
+                      <a:r>
+                        <a:rPr lang="en-US" sz="900" dirty="0"/>
+                        <a:t> </a:t>
+                      </a:r>
+                    </a:p>
+                  </a:txBody>
+                  <a:tcPr/>
+                </a:tc>
+                <a:tc>
+                  <a:txBody>
+                    <a:bodyPr/>
+                    <a:lstStyle/>
+                    <a:p>
+                      <a:r>
+                        <a:rPr lang="en-US" dirty="0"/>
+                        <a:t>-0.12</a:t>
+                      </a:r>
+                    </a:p>
+                  </a:txBody>
+                  <a:tcPr/>
+                </a:tc>
+                <a:tc>
+                  <a:txBody>
+                    <a:bodyPr/>
+                    <a:lstStyle/>
+                    <a:p>
+                      <a:endParaRPr lang="en-US" dirty="0"/>
+                    </a:p>
+                  </a:txBody>
+                  <a:tcPr/>
+                </a:tc>
+                <a:extLst>
+                  <a:ext uri="{0D108BD9-81ED-4DB2-BD59-A6C34878D82A}">
+                    <a16:rowId xmlns:a16="http://schemas.microsoft.com/office/drawing/2014/main" val="1496113318"/>
+                  </a:ext>
+                </a:extLst>
+              </a:tr>
+              <a:tr h="370840">
+                <a:tc>
+                  <a:txBody>
+                    <a:bodyPr/>
+                    <a:lstStyle/>
+                    <a:p>
+                      <a:r>
+                        <a:rPr lang="en-US" sz="900" dirty="0" err="1"/>
+                        <a:t>Time.between.H.and.DSA</a:t>
+                      </a:r>
+                      <a:endParaRPr lang="en-US" sz="900" dirty="0"/>
+                    </a:p>
+                  </a:txBody>
+                  <a:tcPr/>
+                </a:tc>
+                <a:tc>
+                  <a:txBody>
+                    <a:bodyPr/>
+                    <a:lstStyle/>
+                    <a:p>
+                      <a:r>
+                        <a:rPr lang="en-US" dirty="0"/>
+                        <a:t>-0.19</a:t>
+                      </a:r>
+                    </a:p>
+                  </a:txBody>
+                  <a:tcPr/>
+                </a:tc>
+                <a:tc>
+                  <a:txBody>
+                    <a:bodyPr/>
+                    <a:lstStyle/>
+                    <a:p>
+                      <a:r>
+                        <a:rPr lang="da-DK" dirty="0"/>
+                        <a:t>0.37</a:t>
+                      </a:r>
+                      <a:endParaRPr lang="en-US" dirty="0"/>
+                    </a:p>
+                  </a:txBody>
+                  <a:tcPr/>
+                </a:tc>
+                <a:extLst>
+                  <a:ext uri="{0D108BD9-81ED-4DB2-BD59-A6C34878D82A}">
+                    <a16:rowId xmlns:a16="http://schemas.microsoft.com/office/drawing/2014/main" val="4277167233"/>
+                  </a:ext>
+                </a:extLst>
+              </a:tr>
+              <a:tr h="370840">
+                <a:tc>
+                  <a:txBody>
+                    <a:bodyPr/>
+                    <a:lstStyle/>
+                    <a:p>
+                      <a:r>
+                        <a:rPr lang="en-US" sz="900" dirty="0" err="1"/>
+                        <a:t>Time.between.H.and.DSA</a:t>
+                      </a:r>
+                      <a:r>
+                        <a:rPr lang="en-US" sz="900" dirty="0"/>
+                        <a:t>...7.days </a:t>
+                      </a:r>
+                    </a:p>
+                  </a:txBody>
+                  <a:tcPr/>
+                </a:tc>
+                <a:tc>
+                  <a:txBody>
+                    <a:bodyPr/>
+                    <a:lstStyle/>
+                    <a:p>
+                      <a:r>
+                        <a:rPr lang="en-US" dirty="0"/>
+                        <a:t>0.23</a:t>
+                      </a:r>
+                    </a:p>
+                  </a:txBody>
+                  <a:tcPr/>
+                </a:tc>
+                <a:tc>
+                  <a:txBody>
+                    <a:bodyPr/>
+                    <a:lstStyle/>
+                    <a:p>
+                      <a:r>
+                        <a:rPr lang="da-DK" dirty="0"/>
+                        <a:t>0.14</a:t>
+                      </a:r>
+                      <a:endParaRPr lang="en-US" dirty="0"/>
+                    </a:p>
+                  </a:txBody>
+                  <a:tcPr/>
+                </a:tc>
+                <a:extLst>
+                  <a:ext uri="{0D108BD9-81ED-4DB2-BD59-A6C34878D82A}">
+                    <a16:rowId xmlns:a16="http://schemas.microsoft.com/office/drawing/2014/main" val="3070014352"/>
+                  </a:ext>
+                </a:extLst>
+              </a:tr>
+              <a:tr h="370840">
+                <a:tc>
+                  <a:txBody>
+                    <a:bodyPr/>
+                    <a:lstStyle/>
+                    <a:p>
+                      <a:r>
+                        <a:rPr lang="en-US" sz="900" dirty="0"/>
+                        <a:t>Time.between.1st.and.2nd.DSA</a:t>
+                      </a:r>
+                    </a:p>
+                  </a:txBody>
+                  <a:tcPr/>
+                </a:tc>
+                <a:tc>
+                  <a:txBody>
+                    <a:bodyPr/>
+                    <a:lstStyle/>
+                    <a:p>
+                      <a:r>
+                        <a:rPr lang="en-US" dirty="0"/>
+                        <a:t>0.23</a:t>
+                      </a:r>
+                    </a:p>
+                  </a:txBody>
+                  <a:tcPr/>
+                </a:tc>
+                <a:tc>
+                  <a:txBody>
+                    <a:bodyPr/>
+                    <a:lstStyle/>
+                    <a:p>
+                      <a:r>
+                        <a:rPr lang="da-DK" dirty="0"/>
+                        <a:t>0.09</a:t>
+                      </a:r>
+                      <a:endParaRPr lang="en-US" dirty="0"/>
+                    </a:p>
+                  </a:txBody>
+                  <a:tcPr/>
+                </a:tc>
+                <a:extLst>
+                  <a:ext uri="{0D108BD9-81ED-4DB2-BD59-A6C34878D82A}">
+                    <a16:rowId xmlns:a16="http://schemas.microsoft.com/office/drawing/2014/main" val="2082920138"/>
+                  </a:ext>
+                </a:extLst>
+              </a:tr>
+              <a:tr h="370840">
+                <a:tc>
+                  <a:txBody>
+                    <a:bodyPr/>
+                    <a:lstStyle/>
+                    <a:p>
+                      <a:r>
+                        <a:rPr lang="en-US" sz="900" dirty="0"/>
+                        <a:t>Time.between.1st.and.last.DSA </a:t>
+                      </a:r>
+                    </a:p>
+                  </a:txBody>
+                  <a:tcPr/>
+                </a:tc>
+                <a:tc>
+                  <a:txBody>
+                    <a:bodyPr/>
+                    <a:lstStyle/>
+                    <a:p>
+                      <a:r>
+                        <a:rPr lang="en-US" dirty="0"/>
+                        <a:t>0.20 </a:t>
+                      </a:r>
+                    </a:p>
+                  </a:txBody>
+                  <a:tcPr/>
+                </a:tc>
+                <a:tc>
+                  <a:txBody>
+                    <a:bodyPr/>
+                    <a:lstStyle/>
+                    <a:p>
+                      <a:r>
+                        <a:rPr lang="da-DK" dirty="0"/>
+                        <a:t>0.09</a:t>
+                      </a:r>
+                      <a:endParaRPr lang="en-US" dirty="0"/>
+                    </a:p>
+                  </a:txBody>
+                  <a:tcPr/>
+                </a:tc>
+                <a:extLst>
+                  <a:ext uri="{0D108BD9-81ED-4DB2-BD59-A6C34878D82A}">
+                    <a16:rowId xmlns:a16="http://schemas.microsoft.com/office/drawing/2014/main" val="592166747"/>
+                  </a:ext>
+                </a:extLst>
+              </a:tr>
+              <a:tr h="370840">
+                <a:tc>
+                  <a:txBody>
+                    <a:bodyPr/>
+                    <a:lstStyle/>
+                    <a:p>
+                      <a:r>
+                        <a:rPr lang="en-US" sz="900" dirty="0"/>
+                        <a:t>Date.of.1st.EVT </a:t>
+                      </a:r>
+                    </a:p>
+                  </a:txBody>
+                  <a:tcPr/>
+                </a:tc>
+                <a:tc>
+                  <a:txBody>
+                    <a:bodyPr/>
+                    <a:lstStyle/>
+                    <a:p>
+                      <a:r>
+                        <a:rPr lang="en-US" dirty="0"/>
+                        <a:t>-0.14</a:t>
+                      </a:r>
+                    </a:p>
+                  </a:txBody>
+                  <a:tcPr/>
+                </a:tc>
+                <a:tc>
+                  <a:txBody>
+                    <a:bodyPr/>
+                    <a:lstStyle/>
+                    <a:p>
+                      <a:r>
+                        <a:rPr lang="da-DK" dirty="0"/>
+                        <a:t>0.13</a:t>
+                      </a:r>
+                      <a:endParaRPr lang="en-US" dirty="0"/>
+                    </a:p>
+                  </a:txBody>
+                  <a:tcPr/>
+                </a:tc>
+                <a:extLst>
+                  <a:ext uri="{0D108BD9-81ED-4DB2-BD59-A6C34878D82A}">
+                    <a16:rowId xmlns:a16="http://schemas.microsoft.com/office/drawing/2014/main" val="346606745"/>
+                  </a:ext>
+                </a:extLst>
+              </a:tr>
+              <a:tr h="370840">
+                <a:tc>
+                  <a:txBody>
+                    <a:bodyPr/>
+                    <a:lstStyle/>
+                    <a:p>
+                      <a:r>
+                        <a:rPr lang="en-US" sz="900" dirty="0" err="1"/>
+                        <a:t>Take.really.part.to.the.study</a:t>
+                      </a:r>
+                      <a:endParaRPr lang="en-US" sz="900" dirty="0"/>
+                    </a:p>
+                  </a:txBody>
+                  <a:tcPr/>
+                </a:tc>
+                <a:tc>
+                  <a:txBody>
+                    <a:bodyPr/>
+                    <a:lstStyle/>
+                    <a:p>
+                      <a:r>
+                        <a:rPr lang="en-US" dirty="0"/>
+                        <a:t>0.19</a:t>
+                      </a:r>
+                    </a:p>
+                  </a:txBody>
+                  <a:tcPr/>
+                </a:tc>
+                <a:tc>
+                  <a:txBody>
+                    <a:bodyPr/>
+                    <a:lstStyle/>
+                    <a:p>
+                      <a:r>
+                        <a:rPr lang="da-DK" dirty="0"/>
+                        <a:t>0.3</a:t>
+                      </a:r>
+                      <a:endParaRPr lang="en-US" dirty="0"/>
+                    </a:p>
+                  </a:txBody>
+                  <a:tcPr/>
+                </a:tc>
+                <a:extLst>
+                  <a:ext uri="{0D108BD9-81ED-4DB2-BD59-A6C34878D82A}">
+                    <a16:rowId xmlns:a16="http://schemas.microsoft.com/office/drawing/2014/main" val="3339520051"/>
+                  </a:ext>
+                </a:extLst>
+              </a:tr>
+              <a:tr h="370840">
+                <a:tc>
+                  <a:txBody>
+                    <a:bodyPr/>
+                    <a:lstStyle/>
+                    <a:p>
+                      <a:r>
+                        <a:rPr lang="en-US" sz="900" dirty="0"/>
+                        <a:t>1st.DSA.Nidus.height..mm.</a:t>
+                      </a:r>
+                    </a:p>
+                  </a:txBody>
+                  <a:tcPr/>
+                </a:tc>
+                <a:tc>
+                  <a:txBody>
+                    <a:bodyPr/>
+                    <a:lstStyle/>
+                    <a:p>
+                      <a:r>
+                        <a:rPr lang="da-DK" dirty="0"/>
+                        <a:t>0</a:t>
+                      </a:r>
+                      <a:endParaRPr lang="en-US" dirty="0"/>
+                    </a:p>
+                  </a:txBody>
+                  <a:tcPr/>
+                </a:tc>
+                <a:tc>
+                  <a:txBody>
+                    <a:bodyPr/>
+                    <a:lstStyle/>
+                    <a:p>
+                      <a:r>
+                        <a:rPr lang="da-DK" dirty="0"/>
+                        <a:t>0.14</a:t>
+                      </a:r>
+                      <a:endParaRPr lang="en-US" dirty="0"/>
+                    </a:p>
+                  </a:txBody>
+                  <a:tcPr/>
+                </a:tc>
+                <a:extLst>
+                  <a:ext uri="{0D108BD9-81ED-4DB2-BD59-A6C34878D82A}">
+                    <a16:rowId xmlns:a16="http://schemas.microsoft.com/office/drawing/2014/main" val="797212933"/>
+                  </a:ext>
+                </a:extLst>
+              </a:tr>
+              <a:tr h="370840">
+                <a:tc>
+                  <a:txBody>
+                    <a:bodyPr/>
+                    <a:lstStyle/>
+                    <a:p>
+                      <a:r>
+                        <a:rPr lang="en-US" sz="900" dirty="0"/>
+                        <a:t>1st.DSA.Nidus.width..mm.</a:t>
+                      </a:r>
+                    </a:p>
+                  </a:txBody>
+                  <a:tcPr/>
+                </a:tc>
+                <a:tc>
+                  <a:txBody>
+                    <a:bodyPr/>
+                    <a:lstStyle/>
+                    <a:p>
+                      <a:r>
+                        <a:rPr lang="en-US" dirty="0"/>
+                        <a:t>0.04</a:t>
+                      </a:r>
+                    </a:p>
+                  </a:txBody>
+                  <a:tcPr/>
+                </a:tc>
+                <a:tc>
+                  <a:txBody>
+                    <a:bodyPr/>
+                    <a:lstStyle/>
+                    <a:p>
+                      <a:r>
+                        <a:rPr lang="da-DK" dirty="0"/>
+                        <a:t>0.98</a:t>
+                      </a:r>
+                      <a:endParaRPr lang="en-US" dirty="0"/>
+                    </a:p>
+                  </a:txBody>
+                  <a:tcPr/>
+                </a:tc>
+                <a:extLst>
+                  <a:ext uri="{0D108BD9-81ED-4DB2-BD59-A6C34878D82A}">
+                    <a16:rowId xmlns:a16="http://schemas.microsoft.com/office/drawing/2014/main" val="3264580948"/>
+                  </a:ext>
+                </a:extLst>
+              </a:tr>
+              <a:tr h="370840">
+                <a:tc>
+                  <a:txBody>
+                    <a:bodyPr/>
+                    <a:lstStyle/>
+                    <a:p>
+                      <a:r>
+                        <a:rPr lang="en-US" sz="900" dirty="0"/>
+                        <a:t>1st.DSA.Nidus.depth..mm.</a:t>
+                      </a:r>
+                    </a:p>
+                  </a:txBody>
+                  <a:tcPr/>
+                </a:tc>
+                <a:tc>
+                  <a:txBody>
+                    <a:bodyPr/>
+                    <a:lstStyle/>
+                    <a:p>
+                      <a:r>
+                        <a:rPr lang="en-US" dirty="0"/>
+                        <a:t>0.08</a:t>
+                      </a:r>
+                    </a:p>
+                  </a:txBody>
+                  <a:tcPr/>
+                </a:tc>
+                <a:tc>
+                  <a:txBody>
+                    <a:bodyPr/>
+                    <a:lstStyle/>
+                    <a:p>
+                      <a:r>
+                        <a:rPr lang="da-DK" dirty="0"/>
+                        <a:t>0.77</a:t>
+                      </a:r>
+                      <a:endParaRPr lang="en-US" dirty="0"/>
+                    </a:p>
+                  </a:txBody>
+                  <a:tcPr/>
+                </a:tc>
+                <a:extLst>
+                  <a:ext uri="{0D108BD9-81ED-4DB2-BD59-A6C34878D82A}">
+                    <a16:rowId xmlns:a16="http://schemas.microsoft.com/office/drawing/2014/main" val="688173066"/>
+                  </a:ext>
+                </a:extLst>
+              </a:tr>
+              <a:tr h="370840">
+                <a:tc>
+                  <a:txBody>
+                    <a:bodyPr/>
+                    <a:lstStyle/>
+                    <a:p>
+                      <a:r>
+                        <a:rPr lang="en-US" sz="900" dirty="0"/>
+                        <a:t>1st.DSA.Nidus.Volumen..ml. </a:t>
+                      </a:r>
+                    </a:p>
+                  </a:txBody>
+                  <a:tcPr/>
+                </a:tc>
+                <a:tc>
+                  <a:txBody>
+                    <a:bodyPr/>
+                    <a:lstStyle/>
+                    <a:p>
+                      <a:r>
+                        <a:rPr lang="en-US" dirty="0"/>
+                        <a:t>0.10</a:t>
+                      </a:r>
+                    </a:p>
+                  </a:txBody>
+                  <a:tcPr/>
+                </a:tc>
+                <a:tc>
+                  <a:txBody>
+                    <a:bodyPr/>
+                    <a:lstStyle/>
+                    <a:p>
+                      <a:r>
+                        <a:rPr lang="da-DK" dirty="0"/>
+                        <a:t>0.52</a:t>
+                      </a:r>
+                      <a:endParaRPr lang="en-US" dirty="0"/>
+                    </a:p>
+                  </a:txBody>
+                  <a:tcPr/>
+                </a:tc>
+                <a:extLst>
+                  <a:ext uri="{0D108BD9-81ED-4DB2-BD59-A6C34878D82A}">
+                    <a16:rowId xmlns:a16="http://schemas.microsoft.com/office/drawing/2014/main" val="1322780979"/>
+                  </a:ext>
+                </a:extLst>
+              </a:tr>
+              <a:tr h="370840">
+                <a:tc>
+                  <a:txBody>
+                    <a:bodyPr/>
+                    <a:lstStyle/>
+                    <a:p>
+                      <a:r>
+                        <a:rPr lang="en-US" sz="900" dirty="0"/>
+                        <a:t>1st.DSA.Venous.drainage..0.superficial..1.deep </a:t>
+                      </a:r>
+                    </a:p>
+                  </a:txBody>
+                  <a:tcPr/>
+                </a:tc>
+                <a:tc>
+                  <a:txBody>
+                    <a:bodyPr/>
+                    <a:lstStyle/>
+                    <a:p>
+                      <a:r>
+                        <a:rPr lang="en-US" dirty="0"/>
+                        <a:t>-0.09</a:t>
+                      </a:r>
+                    </a:p>
+                  </a:txBody>
+                  <a:tcPr/>
+                </a:tc>
+                <a:tc>
+                  <a:txBody>
+                    <a:bodyPr/>
+                    <a:lstStyle/>
+                    <a:p>
+                      <a:r>
+                        <a:rPr lang="da-DK" dirty="0"/>
+                        <a:t>0.46</a:t>
+                      </a:r>
+                      <a:endParaRPr lang="en-US" dirty="0"/>
+                    </a:p>
+                  </a:txBody>
+                  <a:tcPr/>
+                </a:tc>
+                <a:extLst>
+                  <a:ext uri="{0D108BD9-81ED-4DB2-BD59-A6C34878D82A}">
+                    <a16:rowId xmlns:a16="http://schemas.microsoft.com/office/drawing/2014/main" val="38381525"/>
+                  </a:ext>
+                </a:extLst>
+              </a:tr>
+              <a:tr h="370840">
+                <a:tc>
+                  <a:txBody>
+                    <a:bodyPr/>
+                    <a:lstStyle/>
+                    <a:p>
+                      <a:r>
+                        <a:rPr lang="en-US" sz="900" dirty="0"/>
+                        <a:t>1st.DSA.eloquence..0.No..1.yes </a:t>
+                      </a:r>
+                    </a:p>
+                  </a:txBody>
+                  <a:tcPr/>
+                </a:tc>
+                <a:tc>
+                  <a:txBody>
+                    <a:bodyPr/>
+                    <a:lstStyle/>
+                    <a:p>
+                      <a:r>
+                        <a:rPr lang="en-US" dirty="0"/>
+                        <a:t>0.12</a:t>
+                      </a:r>
+                    </a:p>
+                  </a:txBody>
+                  <a:tcPr/>
+                </a:tc>
+                <a:tc>
+                  <a:txBody>
+                    <a:bodyPr/>
+                    <a:lstStyle/>
+                    <a:p>
+                      <a:r>
+                        <a:rPr lang="da-DK" dirty="0"/>
+                        <a:t>0.48</a:t>
+                      </a:r>
+                      <a:endParaRPr lang="en-US" dirty="0"/>
+                    </a:p>
+                  </a:txBody>
+                  <a:tcPr/>
+                </a:tc>
+                <a:extLst>
+                  <a:ext uri="{0D108BD9-81ED-4DB2-BD59-A6C34878D82A}">
+                    <a16:rowId xmlns:a16="http://schemas.microsoft.com/office/drawing/2014/main" val="2338992624"/>
+                  </a:ext>
+                </a:extLst>
+              </a:tr>
+              <a:tr h="370840">
+                <a:tc>
+                  <a:txBody>
+                    <a:bodyPr/>
+                    <a:lstStyle/>
+                    <a:p>
+                      <a:r>
+                        <a:rPr lang="en-US" sz="900" dirty="0"/>
+                        <a:t>1st.DSA.Spetzler.Martin.Grade </a:t>
+                      </a:r>
+                    </a:p>
+                  </a:txBody>
+                  <a:tcPr/>
+                </a:tc>
+                <a:tc>
+                  <a:txBody>
+                    <a:bodyPr/>
+                    <a:lstStyle/>
+                    <a:p>
+                      <a:pPr marL="0" marR="0" lvl="0" indent="0" algn="l" defTabSz="914400" rtl="0" eaLnBrk="1" fontAlgn="auto" latinLnBrk="0" hangingPunct="1">
+                        <a:lnSpc>
+                          <a:spcPct val="100000"/>
+                        </a:lnSpc>
+                        <a:spcBef>
+                          <a:spcPts val="0"/>
+                        </a:spcBef>
+                        <a:spcAft>
+                          <a:spcPts val="0"/>
+                        </a:spcAft>
+                        <a:buClrTx/>
+                        <a:buSzTx/>
+                        <a:buFontTx/>
+                        <a:buNone/>
+                        <a:tabLst/>
+                        <a:defRPr/>
+                      </a:pPr>
+                      <a:r>
+                        <a:rPr lang="en-US" dirty="0"/>
+                        <a:t>0.10</a:t>
+                      </a:r>
+                    </a:p>
+                  </a:txBody>
+                  <a:tcPr/>
+                </a:tc>
+                <a:tc>
+                  <a:txBody>
+                    <a:bodyPr/>
+                    <a:lstStyle/>
+                    <a:p>
+                      <a:r>
+                        <a:rPr lang="da-DK" dirty="0"/>
+                        <a:t>0.36</a:t>
+                      </a:r>
+                      <a:endParaRPr lang="en-US" dirty="0"/>
+                    </a:p>
+                  </a:txBody>
+                  <a:tcPr/>
+                </a:tc>
+                <a:extLst>
+                  <a:ext uri="{0D108BD9-81ED-4DB2-BD59-A6C34878D82A}">
+                    <a16:rowId xmlns:a16="http://schemas.microsoft.com/office/drawing/2014/main" val="2105761698"/>
+                  </a:ext>
+                </a:extLst>
+              </a:tr>
+              <a:tr h="370840">
+                <a:tc>
+                  <a:txBody>
+                    <a:bodyPr/>
+                    <a:lstStyle/>
+                    <a:p>
+                      <a:r>
+                        <a:rPr lang="en-US" sz="900" dirty="0"/>
+                        <a:t>obvious.intranidal.aneurysm..0.No..1.yes </a:t>
+                      </a:r>
+                    </a:p>
+                  </a:txBody>
+                  <a:tcPr/>
+                </a:tc>
+                <a:tc>
+                  <a:txBody>
+                    <a:bodyPr/>
+                    <a:lstStyle/>
+                    <a:p>
+                      <a:r>
+                        <a:rPr lang="en-US" dirty="0"/>
+                        <a:t>-0.08</a:t>
+                      </a:r>
+                    </a:p>
+                  </a:txBody>
+                  <a:tcPr/>
+                </a:tc>
+                <a:tc>
+                  <a:txBody>
+                    <a:bodyPr/>
+                    <a:lstStyle/>
+                    <a:p>
+                      <a:r>
+                        <a:rPr lang="da-DK" dirty="0"/>
+                        <a:t>0.45</a:t>
+                      </a:r>
+                      <a:endParaRPr lang="en-US" dirty="0"/>
+                    </a:p>
+                  </a:txBody>
+                  <a:tcPr/>
+                </a:tc>
+                <a:extLst>
+                  <a:ext uri="{0D108BD9-81ED-4DB2-BD59-A6C34878D82A}">
+                    <a16:rowId xmlns:a16="http://schemas.microsoft.com/office/drawing/2014/main" val="678682156"/>
+                  </a:ext>
+                </a:extLst>
+              </a:tr>
+            </a:tbl>
+          </a:graphicData>
+        </a:graphic>
+      </p:graphicFrame>
+      <p:graphicFrame>
+        <p:nvGraphicFramePr>
+          <p:cNvPr id="7" name="Table 6">
+            <a:extLst>
+              <a:ext uri="{FF2B5EF4-FFF2-40B4-BE49-F238E27FC236}">
+                <a16:creationId xmlns:a16="http://schemas.microsoft.com/office/drawing/2014/main" id="{96163ED4-F264-4B3E-A6F1-6B75DCFCC6DC}"/>
+              </a:ext>
+            </a:extLst>
+          </p:cNvPr>
+          <p:cNvGraphicFramePr>
+            <a:graphicFrameLocks noGrp="1"/>
+          </p:cNvGraphicFramePr>
+          <p:nvPr>
+            <p:extLst>
+              <p:ext uri="{D42A27DB-BD31-4B8C-83A1-F6EECF244321}">
+                <p14:modId xmlns:p14="http://schemas.microsoft.com/office/powerpoint/2010/main" val="3281128878"/>
+              </p:ext>
+            </p:extLst>
+          </p:nvPr>
+        </p:nvGraphicFramePr>
+        <p:xfrm>
+          <a:off x="4146550" y="212725"/>
+          <a:ext cx="3197225" cy="6126480"/>
+        </p:xfrm>
+        <a:graphic>
+          <a:graphicData uri="http://schemas.openxmlformats.org/drawingml/2006/table">
+            <a:tbl>
+              <a:tblPr firstRow="1" bandRow="1">
+                <a:tableStyleId>{5C22544A-7EE6-4342-B048-85BDC9FD1C3A}</a:tableStyleId>
+              </a:tblPr>
+              <a:tblGrid>
+                <a:gridCol w="1778000">
+                  <a:extLst>
+                    <a:ext uri="{9D8B030D-6E8A-4147-A177-3AD203B41FA5}">
+                      <a16:colId xmlns:a16="http://schemas.microsoft.com/office/drawing/2014/main" val="2982905724"/>
+                    </a:ext>
+                  </a:extLst>
+                </a:gridCol>
+                <a:gridCol w="714375">
+                  <a:extLst>
+                    <a:ext uri="{9D8B030D-6E8A-4147-A177-3AD203B41FA5}">
+                      <a16:colId xmlns:a16="http://schemas.microsoft.com/office/drawing/2014/main" val="4162950074"/>
+                    </a:ext>
+                  </a:extLst>
+                </a:gridCol>
+                <a:gridCol w="704850">
+                  <a:extLst>
+                    <a:ext uri="{9D8B030D-6E8A-4147-A177-3AD203B41FA5}">
+                      <a16:colId xmlns:a16="http://schemas.microsoft.com/office/drawing/2014/main" val="4289056651"/>
+                    </a:ext>
+                  </a:extLst>
+                </a:gridCol>
+              </a:tblGrid>
+              <a:tr h="354885">
+                <a:tc>
+                  <a:txBody>
+                    <a:bodyPr/>
+                    <a:lstStyle/>
+                    <a:p>
+                      <a:r>
+                        <a:rPr lang="da-DK" dirty="0"/>
+                        <a:t>Parameter</a:t>
+                      </a:r>
+                      <a:endParaRPr lang="en-US" dirty="0"/>
+                    </a:p>
+                  </a:txBody>
+                  <a:tcPr/>
+                </a:tc>
+                <a:tc>
+                  <a:txBody>
+                    <a:bodyPr/>
+                    <a:lstStyle/>
+                    <a:p>
+                      <a:r>
+                        <a:rPr lang="da-DK" dirty="0"/>
+                        <a:t>Value</a:t>
+                      </a:r>
+                      <a:endParaRPr lang="en-US" dirty="0"/>
+                    </a:p>
+                  </a:txBody>
+                  <a:tcPr/>
+                </a:tc>
+                <a:tc>
+                  <a:txBody>
+                    <a:bodyPr/>
+                    <a:lstStyle/>
+                    <a:p>
+                      <a:r>
+                        <a:rPr lang="da-DK" dirty="0"/>
+                        <a:t>p &gt; t</a:t>
+                      </a:r>
+                      <a:endParaRPr lang="en-US" dirty="0"/>
+                    </a:p>
+                  </a:txBody>
+                  <a:tcPr/>
+                </a:tc>
+                <a:extLst>
+                  <a:ext uri="{0D108BD9-81ED-4DB2-BD59-A6C34878D82A}">
+                    <a16:rowId xmlns:a16="http://schemas.microsoft.com/office/drawing/2014/main" val="1777840895"/>
+                  </a:ext>
+                </a:extLst>
+              </a:tr>
+              <a:tr h="354965">
+                <a:tc>
+                  <a:txBody>
+                    <a:bodyPr/>
+                    <a:lstStyle/>
+                    <a:p>
+                      <a:r>
+                        <a:rPr lang="en-US" sz="900" dirty="0" err="1"/>
+                        <a:t>venous.outpouching.of.main.draining.vein</a:t>
+                      </a:r>
+                      <a:r>
+                        <a:rPr lang="en-US" sz="900" dirty="0"/>
+                        <a:t>...</a:t>
+                      </a:r>
+                    </a:p>
+                  </a:txBody>
+                  <a:tcPr/>
+                </a:tc>
+                <a:tc>
+                  <a:txBody>
+                    <a:bodyPr/>
+                    <a:lstStyle/>
+                    <a:p>
+                      <a:endParaRPr lang="en-US" dirty="0"/>
+                    </a:p>
+                  </a:txBody>
+                  <a:tcPr/>
+                </a:tc>
+                <a:tc>
+                  <a:txBody>
+                    <a:bodyPr/>
+                    <a:lstStyle/>
+                    <a:p>
+                      <a:r>
+                        <a:rPr lang="da-DK" dirty="0"/>
+                        <a:t>0.52</a:t>
+                      </a:r>
+                      <a:endParaRPr lang="en-US" dirty="0"/>
+                    </a:p>
+                  </a:txBody>
+                  <a:tcPr/>
+                </a:tc>
+                <a:extLst>
+                  <a:ext uri="{0D108BD9-81ED-4DB2-BD59-A6C34878D82A}">
+                    <a16:rowId xmlns:a16="http://schemas.microsoft.com/office/drawing/2014/main" val="3679804747"/>
+                  </a:ext>
+                </a:extLst>
+              </a:tr>
+              <a:tr h="354885">
+                <a:tc>
+                  <a:txBody>
+                    <a:bodyPr/>
+                    <a:lstStyle/>
+                    <a:p>
+                      <a:r>
+                        <a:rPr lang="en-US" sz="900" dirty="0" err="1"/>
+                        <a:t>deep.feeding.artery</a:t>
+                      </a:r>
+                      <a:r>
+                        <a:rPr lang="en-US" sz="900" dirty="0"/>
+                        <a:t>...perforating.artery..0.No..1.yes </a:t>
+                      </a:r>
+                    </a:p>
+                  </a:txBody>
+                  <a:tcPr/>
+                </a:tc>
+                <a:tc>
+                  <a:txBody>
+                    <a:bodyPr/>
+                    <a:lstStyle/>
+                    <a:p>
+                      <a:endParaRPr lang="en-US" dirty="0"/>
+                    </a:p>
+                  </a:txBody>
+                  <a:tcPr/>
+                </a:tc>
+                <a:tc>
+                  <a:txBody>
+                    <a:bodyPr/>
+                    <a:lstStyle/>
+                    <a:p>
+                      <a:r>
+                        <a:rPr lang="da-DK" dirty="0"/>
+                        <a:t>0.54</a:t>
+                      </a:r>
+                      <a:endParaRPr lang="en-US" dirty="0"/>
+                    </a:p>
+                  </a:txBody>
+                  <a:tcPr/>
+                </a:tc>
+                <a:extLst>
+                  <a:ext uri="{0D108BD9-81ED-4DB2-BD59-A6C34878D82A}">
+                    <a16:rowId xmlns:a16="http://schemas.microsoft.com/office/drawing/2014/main" val="1496113318"/>
+                  </a:ext>
+                </a:extLst>
+              </a:tr>
+              <a:tr h="354885">
+                <a:tc>
+                  <a:txBody>
+                    <a:bodyPr/>
+                    <a:lstStyle/>
+                    <a:p>
+                      <a:r>
+                        <a:rPr lang="en-US" sz="900" dirty="0"/>
+                        <a:t>en.passant.vessels..0.No..1.yes </a:t>
+                      </a:r>
+                    </a:p>
+                  </a:txBody>
+                  <a:tcPr/>
+                </a:tc>
+                <a:tc>
+                  <a:txBody>
+                    <a:bodyPr/>
+                    <a:lstStyle/>
+                    <a:p>
+                      <a:r>
+                        <a:rPr lang="en-US" dirty="0"/>
+                        <a:t>-0.11</a:t>
+                      </a:r>
+                    </a:p>
+                  </a:txBody>
+                  <a:tcPr/>
+                </a:tc>
+                <a:tc>
+                  <a:txBody>
+                    <a:bodyPr/>
+                    <a:lstStyle/>
+                    <a:p>
+                      <a:r>
+                        <a:rPr lang="da-DK" dirty="0"/>
+                        <a:t>0.39</a:t>
+                      </a:r>
+                      <a:endParaRPr lang="en-US" dirty="0"/>
+                    </a:p>
+                  </a:txBody>
+                  <a:tcPr/>
+                </a:tc>
+                <a:extLst>
+                  <a:ext uri="{0D108BD9-81ED-4DB2-BD59-A6C34878D82A}">
+                    <a16:rowId xmlns:a16="http://schemas.microsoft.com/office/drawing/2014/main" val="4277167233"/>
+                  </a:ext>
+                </a:extLst>
+              </a:tr>
+              <a:tr h="354885">
+                <a:tc>
+                  <a:txBody>
+                    <a:bodyPr/>
+                    <a:lstStyle/>
+                    <a:p>
+                      <a:r>
+                        <a:rPr lang="en-US" sz="900" dirty="0"/>
+                        <a:t>2nd.DSA.Nidus.height..mm. </a:t>
+                      </a:r>
+                    </a:p>
+                  </a:txBody>
+                  <a:tcPr/>
+                </a:tc>
+                <a:tc>
+                  <a:txBody>
+                    <a:bodyPr/>
+                    <a:lstStyle/>
+                    <a:p>
+                      <a:r>
+                        <a:rPr lang="en-US" dirty="0"/>
+                        <a:t>0.01</a:t>
+                      </a:r>
+                    </a:p>
+                  </a:txBody>
+                  <a:tcPr/>
+                </a:tc>
+                <a:tc>
+                  <a:txBody>
+                    <a:bodyPr/>
+                    <a:lstStyle/>
+                    <a:p>
+                      <a:r>
+                        <a:rPr lang="da-DK" dirty="0"/>
+                        <a:t>0.94</a:t>
+                      </a:r>
+                      <a:endParaRPr lang="en-US" dirty="0"/>
+                    </a:p>
+                  </a:txBody>
+                  <a:tcPr/>
+                </a:tc>
+                <a:extLst>
+                  <a:ext uri="{0D108BD9-81ED-4DB2-BD59-A6C34878D82A}">
+                    <a16:rowId xmlns:a16="http://schemas.microsoft.com/office/drawing/2014/main" val="3070014352"/>
+                  </a:ext>
+                </a:extLst>
+              </a:tr>
+              <a:tr h="354885">
+                <a:tc>
+                  <a:txBody>
+                    <a:bodyPr/>
+                    <a:lstStyle/>
+                    <a:p>
+                      <a:r>
+                        <a:rPr lang="en-US" sz="900" dirty="0"/>
+                        <a:t>2nd.DSA.Nidus.width..mm. </a:t>
+                      </a:r>
+                    </a:p>
+                  </a:txBody>
+                  <a:tcPr/>
+                </a:tc>
+                <a:tc>
+                  <a:txBody>
+                    <a:bodyPr/>
+                    <a:lstStyle/>
+                    <a:p>
+                      <a:r>
+                        <a:rPr lang="en-US" dirty="0"/>
+                        <a:t>-0.02</a:t>
+                      </a:r>
+                    </a:p>
+                  </a:txBody>
+                  <a:tcPr/>
+                </a:tc>
+                <a:tc>
+                  <a:txBody>
+                    <a:bodyPr/>
+                    <a:lstStyle/>
+                    <a:p>
+                      <a:r>
+                        <a:rPr lang="da-DK" dirty="0"/>
+                        <a:t>0.46</a:t>
+                      </a:r>
+                      <a:endParaRPr lang="en-US" dirty="0"/>
+                    </a:p>
+                  </a:txBody>
+                  <a:tcPr/>
+                </a:tc>
+                <a:extLst>
+                  <a:ext uri="{0D108BD9-81ED-4DB2-BD59-A6C34878D82A}">
+                    <a16:rowId xmlns:a16="http://schemas.microsoft.com/office/drawing/2014/main" val="2082920138"/>
+                  </a:ext>
+                </a:extLst>
+              </a:tr>
+              <a:tr h="354885">
+                <a:tc>
+                  <a:txBody>
+                    <a:bodyPr/>
+                    <a:lstStyle/>
+                    <a:p>
+                      <a:r>
+                        <a:rPr lang="en-US" sz="900" dirty="0"/>
+                        <a:t>2nd.DSA.Nidus.depth..mm.</a:t>
+                      </a:r>
+                    </a:p>
+                  </a:txBody>
+                  <a:tcPr/>
+                </a:tc>
+                <a:tc>
+                  <a:txBody>
+                    <a:bodyPr/>
+                    <a:lstStyle/>
+                    <a:p>
+                      <a:r>
+                        <a:rPr lang="en-US" dirty="0"/>
+                        <a:t>-0.01</a:t>
+                      </a:r>
+                    </a:p>
+                  </a:txBody>
+                  <a:tcPr/>
+                </a:tc>
+                <a:tc>
+                  <a:txBody>
+                    <a:bodyPr/>
+                    <a:lstStyle/>
+                    <a:p>
+                      <a:r>
+                        <a:rPr lang="da-DK" dirty="0"/>
+                        <a:t>0.52</a:t>
+                      </a:r>
+                      <a:endParaRPr lang="en-US" dirty="0"/>
+                    </a:p>
+                  </a:txBody>
+                  <a:tcPr/>
+                </a:tc>
+                <a:extLst>
+                  <a:ext uri="{0D108BD9-81ED-4DB2-BD59-A6C34878D82A}">
+                    <a16:rowId xmlns:a16="http://schemas.microsoft.com/office/drawing/2014/main" val="592166747"/>
+                  </a:ext>
+                </a:extLst>
+              </a:tr>
+              <a:tr h="354885">
+                <a:tc>
+                  <a:txBody>
+                    <a:bodyPr/>
+                    <a:lstStyle/>
+                    <a:p>
+                      <a:r>
+                        <a:rPr lang="en-US" sz="900" dirty="0"/>
+                        <a:t>2nd.DSA.Nidus.Volumen..ml. </a:t>
+                      </a:r>
+                    </a:p>
+                  </a:txBody>
+                  <a:tcPr/>
+                </a:tc>
+                <a:tc>
+                  <a:txBody>
+                    <a:bodyPr/>
+                    <a:lstStyle/>
+                    <a:p>
+                      <a:r>
+                        <a:rPr lang="en-US" dirty="0"/>
+                        <a:t>0.10</a:t>
+                      </a:r>
+                    </a:p>
+                  </a:txBody>
+                  <a:tcPr/>
+                </a:tc>
+                <a:tc>
+                  <a:txBody>
+                    <a:bodyPr/>
+                    <a:lstStyle/>
+                    <a:p>
+                      <a:r>
+                        <a:rPr lang="da-DK" dirty="0"/>
+                        <a:t>0.97</a:t>
+                      </a:r>
+                      <a:endParaRPr lang="en-US" dirty="0"/>
+                    </a:p>
+                  </a:txBody>
+                  <a:tcPr/>
+                </a:tc>
+                <a:extLst>
+                  <a:ext uri="{0D108BD9-81ED-4DB2-BD59-A6C34878D82A}">
+                    <a16:rowId xmlns:a16="http://schemas.microsoft.com/office/drawing/2014/main" val="346606745"/>
+                  </a:ext>
+                </a:extLst>
+              </a:tr>
+              <a:tr h="354885">
+                <a:tc>
+                  <a:txBody>
+                    <a:bodyPr/>
+                    <a:lstStyle/>
+                    <a:p>
+                      <a:r>
+                        <a:rPr lang="en-US" sz="900" dirty="0"/>
+                        <a:t>Volume.change.between.1st.and.2nd.DAS </a:t>
+                      </a:r>
+                    </a:p>
+                  </a:txBody>
+                  <a:tcPr/>
+                </a:tc>
+                <a:tc>
+                  <a:txBody>
+                    <a:bodyPr/>
+                    <a:lstStyle/>
+                    <a:p>
+                      <a:r>
+                        <a:rPr lang="da-DK" dirty="0"/>
+                        <a:t>0.08</a:t>
+                      </a:r>
+                      <a:endParaRPr lang="en-US" dirty="0"/>
+                    </a:p>
+                  </a:txBody>
+                  <a:tcPr/>
+                </a:tc>
+                <a:tc>
+                  <a:txBody>
+                    <a:bodyPr/>
+                    <a:lstStyle/>
+                    <a:p>
+                      <a:r>
+                        <a:rPr lang="da-DK" dirty="0"/>
+                        <a:t>0.99</a:t>
+                      </a:r>
+                      <a:endParaRPr lang="en-US" dirty="0"/>
+                    </a:p>
+                  </a:txBody>
+                  <a:tcPr/>
+                </a:tc>
+                <a:extLst>
+                  <a:ext uri="{0D108BD9-81ED-4DB2-BD59-A6C34878D82A}">
+                    <a16:rowId xmlns:a16="http://schemas.microsoft.com/office/drawing/2014/main" val="3339520051"/>
+                  </a:ext>
+                </a:extLst>
+              </a:tr>
+              <a:tr h="354885">
+                <a:tc>
+                  <a:txBody>
+                    <a:bodyPr/>
+                    <a:lstStyle/>
+                    <a:p>
+                      <a:r>
+                        <a:rPr lang="en-US" sz="900" dirty="0" err="1"/>
+                        <a:t>Volume.change</a:t>
+                      </a:r>
+                      <a:r>
+                        <a:rPr lang="en-US" sz="900" dirty="0"/>
+                        <a:t>..</a:t>
+                      </a:r>
+                    </a:p>
+                  </a:txBody>
+                  <a:tcPr/>
+                </a:tc>
+                <a:tc>
+                  <a:txBody>
+                    <a:bodyPr/>
+                    <a:lstStyle/>
+                    <a:p>
+                      <a:r>
+                        <a:rPr lang="da-DK" dirty="0"/>
+                        <a:t>0</a:t>
+                      </a:r>
+                      <a:endParaRPr lang="en-US" dirty="0"/>
+                    </a:p>
+                  </a:txBody>
+                  <a:tcPr/>
+                </a:tc>
+                <a:tc>
+                  <a:txBody>
+                    <a:bodyPr/>
+                    <a:lstStyle/>
+                    <a:p>
+                      <a:r>
+                        <a:rPr lang="da-DK" dirty="0"/>
+                        <a:t>0.48</a:t>
+                      </a:r>
+                      <a:endParaRPr lang="en-US" dirty="0"/>
+                    </a:p>
+                  </a:txBody>
+                  <a:tcPr/>
+                </a:tc>
+                <a:extLst>
+                  <a:ext uri="{0D108BD9-81ED-4DB2-BD59-A6C34878D82A}">
+                    <a16:rowId xmlns:a16="http://schemas.microsoft.com/office/drawing/2014/main" val="797212933"/>
+                  </a:ext>
+                </a:extLst>
+              </a:tr>
+              <a:tr h="354885">
+                <a:tc>
+                  <a:txBody>
+                    <a:bodyPr/>
+                    <a:lstStyle/>
+                    <a:p>
+                      <a:r>
+                        <a:rPr lang="en-US" sz="900" dirty="0"/>
+                        <a:t>2nd.DSA.Venous.drainage..0.superficial..1.deep </a:t>
+                      </a:r>
+                    </a:p>
+                  </a:txBody>
+                  <a:tcPr/>
+                </a:tc>
+                <a:tc>
+                  <a:txBody>
+                    <a:bodyPr/>
+                    <a:lstStyle/>
+                    <a:p>
+                      <a:r>
+                        <a:rPr lang="da-DK" dirty="0"/>
+                        <a:t>-0.09</a:t>
+                      </a:r>
+                      <a:endParaRPr lang="en-US" dirty="0"/>
+                    </a:p>
+                  </a:txBody>
+                  <a:tcPr/>
+                </a:tc>
+                <a:tc>
+                  <a:txBody>
+                    <a:bodyPr/>
+                    <a:lstStyle/>
+                    <a:p>
+                      <a:r>
+                        <a:rPr lang="da-DK" dirty="0"/>
+                        <a:t>0.53</a:t>
+                      </a:r>
+                      <a:endParaRPr lang="en-US" dirty="0"/>
+                    </a:p>
+                  </a:txBody>
+                  <a:tcPr/>
+                </a:tc>
+                <a:extLst>
+                  <a:ext uri="{0D108BD9-81ED-4DB2-BD59-A6C34878D82A}">
+                    <a16:rowId xmlns:a16="http://schemas.microsoft.com/office/drawing/2014/main" val="3264580948"/>
+                  </a:ext>
+                </a:extLst>
+              </a:tr>
+              <a:tr h="354885">
+                <a:tc>
+                  <a:txBody>
+                    <a:bodyPr/>
+                    <a:lstStyle/>
+                    <a:p>
+                      <a:r>
+                        <a:rPr lang="es-ES" sz="900" dirty="0"/>
+                        <a:t>2nd.DSA.eloquence..0.No..1.yes </a:t>
+                      </a:r>
+                      <a:endParaRPr lang="en-US" sz="900" dirty="0"/>
+                    </a:p>
+                  </a:txBody>
+                  <a:tcPr/>
+                </a:tc>
+                <a:tc>
+                  <a:txBody>
+                    <a:bodyPr/>
+                    <a:lstStyle/>
+                    <a:p>
+                      <a:r>
+                        <a:rPr lang="en-US" dirty="0"/>
+                        <a:t>0.08</a:t>
+                      </a:r>
+                    </a:p>
+                  </a:txBody>
+                  <a:tcPr/>
+                </a:tc>
+                <a:tc>
+                  <a:txBody>
+                    <a:bodyPr/>
+                    <a:lstStyle/>
+                    <a:p>
+                      <a:r>
+                        <a:rPr lang="da-DK" dirty="0"/>
+                        <a:t>0.7</a:t>
+                      </a:r>
+                      <a:endParaRPr lang="en-US" dirty="0"/>
+                    </a:p>
+                  </a:txBody>
+                  <a:tcPr/>
+                </a:tc>
+                <a:extLst>
+                  <a:ext uri="{0D108BD9-81ED-4DB2-BD59-A6C34878D82A}">
+                    <a16:rowId xmlns:a16="http://schemas.microsoft.com/office/drawing/2014/main" val="688173066"/>
+                  </a:ext>
+                </a:extLst>
+              </a:tr>
+              <a:tr h="354885">
+                <a:tc>
+                  <a:txBody>
+                    <a:bodyPr/>
+                    <a:lstStyle/>
+                    <a:p>
+                      <a:r>
+                        <a:rPr lang="en-US" sz="900" dirty="0"/>
+                        <a:t>2nd.DSA.Spetzler.Martin.Grade </a:t>
+                      </a:r>
+                    </a:p>
+                  </a:txBody>
+                  <a:tcPr/>
+                </a:tc>
+                <a:tc>
+                  <a:txBody>
+                    <a:bodyPr/>
+                    <a:lstStyle/>
+                    <a:p>
+                      <a:r>
+                        <a:rPr lang="en-US" dirty="0"/>
+                        <a:t>0.05</a:t>
+                      </a:r>
+                    </a:p>
+                  </a:txBody>
+                  <a:tcPr/>
+                </a:tc>
+                <a:tc>
+                  <a:txBody>
+                    <a:bodyPr/>
+                    <a:lstStyle/>
+                    <a:p>
+                      <a:r>
+                        <a:rPr lang="da-DK" dirty="0"/>
+                        <a:t>0.08</a:t>
+                      </a:r>
+                      <a:endParaRPr lang="en-US" dirty="0"/>
+                    </a:p>
+                  </a:txBody>
+                  <a:tcPr/>
+                </a:tc>
+                <a:extLst>
+                  <a:ext uri="{0D108BD9-81ED-4DB2-BD59-A6C34878D82A}">
+                    <a16:rowId xmlns:a16="http://schemas.microsoft.com/office/drawing/2014/main" val="1322780979"/>
+                  </a:ext>
+                </a:extLst>
+              </a:tr>
+              <a:tr h="354885">
+                <a:tc>
+                  <a:txBody>
+                    <a:bodyPr/>
+                    <a:lstStyle/>
+                    <a:p>
+                      <a:r>
+                        <a:rPr lang="en-US" sz="900" dirty="0"/>
+                        <a:t>flow.associated.aneurysm.of.feeding.artery..0.No..1.yes </a:t>
+                      </a:r>
+                    </a:p>
+                  </a:txBody>
+                  <a:tcPr/>
+                </a:tc>
+                <a:tc>
+                  <a:txBody>
+                    <a:bodyPr/>
+                    <a:lstStyle/>
+                    <a:p>
+                      <a:r>
+                        <a:rPr lang="en-US" dirty="0"/>
+                        <a:t>-0.23</a:t>
+                      </a:r>
+                    </a:p>
+                  </a:txBody>
+                  <a:tcPr/>
+                </a:tc>
+                <a:tc>
+                  <a:txBody>
+                    <a:bodyPr/>
+                    <a:lstStyle/>
+                    <a:p>
+                      <a:r>
+                        <a:rPr lang="da-DK" dirty="0"/>
+                        <a:t>0.3</a:t>
+                      </a:r>
+                      <a:endParaRPr lang="en-US" dirty="0"/>
+                    </a:p>
+                  </a:txBody>
+                  <a:tcPr/>
+                </a:tc>
+                <a:extLst>
+                  <a:ext uri="{0D108BD9-81ED-4DB2-BD59-A6C34878D82A}">
+                    <a16:rowId xmlns:a16="http://schemas.microsoft.com/office/drawing/2014/main" val="38381525"/>
+                  </a:ext>
+                </a:extLst>
+              </a:tr>
+              <a:tr h="354885">
+                <a:tc>
+                  <a:txBody>
+                    <a:bodyPr/>
+                    <a:lstStyle/>
+                    <a:p>
+                      <a:r>
+                        <a:rPr lang="en-US" sz="900" dirty="0"/>
+                        <a:t>venous.stenosis..70....0.No..1.yes </a:t>
+                      </a:r>
+                    </a:p>
+                  </a:txBody>
+                  <a:tcPr/>
+                </a:tc>
+                <a:tc>
+                  <a:txBody>
+                    <a:bodyPr/>
+                    <a:lstStyle/>
+                    <a:p>
+                      <a:r>
+                        <a:rPr lang="en-US" dirty="0"/>
+                        <a:t>0.29</a:t>
+                      </a:r>
+                    </a:p>
+                  </a:txBody>
+                  <a:tcPr/>
+                </a:tc>
+                <a:tc>
+                  <a:txBody>
+                    <a:bodyPr/>
+                    <a:lstStyle/>
+                    <a:p>
+                      <a:r>
+                        <a:rPr lang="da-DK" b="1" dirty="0">
+                          <a:solidFill>
+                            <a:srgbClr val="FF0000"/>
+                          </a:solidFill>
+                        </a:rPr>
+                        <a:t>&lt; 0.05</a:t>
+                      </a:r>
+                      <a:endParaRPr lang="en-US" b="1" dirty="0">
+                        <a:solidFill>
+                          <a:srgbClr val="FF0000"/>
+                        </a:solidFill>
+                      </a:endParaRPr>
+                    </a:p>
+                  </a:txBody>
+                  <a:tcPr/>
+                </a:tc>
+                <a:extLst>
+                  <a:ext uri="{0D108BD9-81ED-4DB2-BD59-A6C34878D82A}">
+                    <a16:rowId xmlns:a16="http://schemas.microsoft.com/office/drawing/2014/main" val="2105761698"/>
+                  </a:ext>
+                </a:extLst>
+              </a:tr>
+              <a:tr h="354885">
+                <a:tc>
+                  <a:txBody>
+                    <a:bodyPr/>
+                    <a:lstStyle/>
+                    <a:p>
+                      <a:r>
+                        <a:rPr lang="en-US" sz="900" dirty="0" err="1"/>
+                        <a:t>deep.feeding.artery</a:t>
+                      </a:r>
+                      <a:r>
+                        <a:rPr lang="en-US" sz="900" dirty="0"/>
+                        <a:t>...perforating.artery..0.No..1.yes.1 </a:t>
+                      </a:r>
+                    </a:p>
+                  </a:txBody>
+                  <a:tcPr/>
+                </a:tc>
+                <a:tc>
+                  <a:txBody>
+                    <a:bodyPr/>
+                    <a:lstStyle/>
+                    <a:p>
+                      <a:r>
+                        <a:rPr lang="en-US" dirty="0"/>
+                        <a:t>-0.11</a:t>
+                      </a:r>
+                    </a:p>
+                  </a:txBody>
+                  <a:tcPr/>
+                </a:tc>
+                <a:tc>
+                  <a:txBody>
+                    <a:bodyPr/>
+                    <a:lstStyle/>
+                    <a:p>
+                      <a:r>
+                        <a:rPr lang="da-DK" dirty="0"/>
+                        <a:t>0.39</a:t>
+                      </a:r>
+                      <a:endParaRPr lang="en-US" dirty="0"/>
+                    </a:p>
+                  </a:txBody>
+                  <a:tcPr/>
+                </a:tc>
+                <a:extLst>
+                  <a:ext uri="{0D108BD9-81ED-4DB2-BD59-A6C34878D82A}">
+                    <a16:rowId xmlns:a16="http://schemas.microsoft.com/office/drawing/2014/main" val="678682156"/>
+                  </a:ext>
+                </a:extLst>
+              </a:tr>
+            </a:tbl>
+          </a:graphicData>
+        </a:graphic>
+      </p:graphicFrame>
+      <p:graphicFrame>
+        <p:nvGraphicFramePr>
+          <p:cNvPr id="8" name="Table 7">
+            <a:extLst>
+              <a:ext uri="{FF2B5EF4-FFF2-40B4-BE49-F238E27FC236}">
+                <a16:creationId xmlns:a16="http://schemas.microsoft.com/office/drawing/2014/main" id="{638DF1BE-A6E8-4F20-97AD-8D4D34960CD4}"/>
+              </a:ext>
+            </a:extLst>
+          </p:cNvPr>
+          <p:cNvGraphicFramePr>
+            <a:graphicFrameLocks noGrp="1"/>
+          </p:cNvGraphicFramePr>
+          <p:nvPr>
+            <p:extLst>
+              <p:ext uri="{D42A27DB-BD31-4B8C-83A1-F6EECF244321}">
+                <p14:modId xmlns:p14="http://schemas.microsoft.com/office/powerpoint/2010/main" val="141350953"/>
+              </p:ext>
+            </p:extLst>
+          </p:nvPr>
+        </p:nvGraphicFramePr>
+        <p:xfrm>
+          <a:off x="7708900" y="212725"/>
+          <a:ext cx="3197225" cy="6837680"/>
+        </p:xfrm>
+        <a:graphic>
+          <a:graphicData uri="http://schemas.openxmlformats.org/drawingml/2006/table">
+            <a:tbl>
+              <a:tblPr firstRow="1" bandRow="1">
+                <a:tableStyleId>{5C22544A-7EE6-4342-B048-85BDC9FD1C3A}</a:tableStyleId>
+              </a:tblPr>
+              <a:tblGrid>
+                <a:gridCol w="1682750">
+                  <a:extLst>
+                    <a:ext uri="{9D8B030D-6E8A-4147-A177-3AD203B41FA5}">
+                      <a16:colId xmlns:a16="http://schemas.microsoft.com/office/drawing/2014/main" val="2982905724"/>
+                    </a:ext>
+                  </a:extLst>
+                </a:gridCol>
+                <a:gridCol w="809625">
+                  <a:extLst>
+                    <a:ext uri="{9D8B030D-6E8A-4147-A177-3AD203B41FA5}">
+                      <a16:colId xmlns:a16="http://schemas.microsoft.com/office/drawing/2014/main" val="4162950074"/>
+                    </a:ext>
+                  </a:extLst>
+                </a:gridCol>
+                <a:gridCol w="704850">
+                  <a:extLst>
+                    <a:ext uri="{9D8B030D-6E8A-4147-A177-3AD203B41FA5}">
+                      <a16:colId xmlns:a16="http://schemas.microsoft.com/office/drawing/2014/main" val="4289056651"/>
+                    </a:ext>
+                  </a:extLst>
+                </a:gridCol>
+              </a:tblGrid>
+              <a:tr h="370840">
+                <a:tc>
+                  <a:txBody>
+                    <a:bodyPr/>
+                    <a:lstStyle/>
+                    <a:p>
+                      <a:r>
+                        <a:rPr lang="da-DK" dirty="0"/>
+                        <a:t>Parameter</a:t>
+                      </a:r>
+                      <a:endParaRPr lang="en-US" dirty="0"/>
+                    </a:p>
+                  </a:txBody>
+                  <a:tcPr/>
+                </a:tc>
+                <a:tc>
+                  <a:txBody>
+                    <a:bodyPr/>
+                    <a:lstStyle/>
+                    <a:p>
+                      <a:r>
+                        <a:rPr lang="da-DK" dirty="0"/>
+                        <a:t>Value</a:t>
+                      </a:r>
+                      <a:endParaRPr lang="en-US" dirty="0"/>
+                    </a:p>
+                  </a:txBody>
+                  <a:tcPr/>
+                </a:tc>
+                <a:tc>
+                  <a:txBody>
+                    <a:bodyPr/>
+                    <a:lstStyle/>
+                    <a:p>
+                      <a:r>
+                        <a:rPr lang="da-DK" dirty="0"/>
+                        <a:t>p &gt; t</a:t>
+                      </a:r>
+                      <a:endParaRPr lang="en-US" dirty="0"/>
+                    </a:p>
+                  </a:txBody>
+                  <a:tcPr/>
+                </a:tc>
+                <a:extLst>
+                  <a:ext uri="{0D108BD9-81ED-4DB2-BD59-A6C34878D82A}">
+                    <a16:rowId xmlns:a16="http://schemas.microsoft.com/office/drawing/2014/main" val="1777840895"/>
+                  </a:ext>
+                </a:extLst>
+              </a:tr>
+              <a:tr h="233469">
+                <a:tc>
+                  <a:txBody>
+                    <a:bodyPr/>
+                    <a:lstStyle/>
+                    <a:p>
+                      <a:r>
+                        <a:rPr lang="en-US" sz="900" dirty="0"/>
+                        <a:t>en.passant.vessels..0.No..1.yes.1 </a:t>
+                      </a:r>
+                    </a:p>
+                  </a:txBody>
+                  <a:tcPr/>
+                </a:tc>
+                <a:tc>
+                  <a:txBody>
+                    <a:bodyPr/>
+                    <a:lstStyle/>
+                    <a:p>
+                      <a:r>
+                        <a:rPr lang="en-US" dirty="0"/>
+                        <a:t>-0.01</a:t>
+                      </a:r>
+                    </a:p>
+                  </a:txBody>
+                  <a:tcPr/>
+                </a:tc>
+                <a:tc>
+                  <a:txBody>
+                    <a:bodyPr/>
+                    <a:lstStyle/>
+                    <a:p>
+                      <a:r>
+                        <a:rPr lang="da-DK" dirty="0"/>
+                        <a:t>0.91</a:t>
+                      </a:r>
+                      <a:endParaRPr lang="en-US" dirty="0"/>
+                    </a:p>
+                  </a:txBody>
+                  <a:tcPr/>
+                </a:tc>
+                <a:extLst>
+                  <a:ext uri="{0D108BD9-81ED-4DB2-BD59-A6C34878D82A}">
+                    <a16:rowId xmlns:a16="http://schemas.microsoft.com/office/drawing/2014/main" val="3679804747"/>
+                  </a:ext>
+                </a:extLst>
+              </a:tr>
+              <a:tr h="370840">
+                <a:tc>
+                  <a:txBody>
+                    <a:bodyPr/>
+                    <a:lstStyle/>
+                    <a:p>
+                      <a:r>
+                        <a:rPr lang="en-US" sz="900" dirty="0"/>
+                        <a:t>new.feeding.arteries.compared.to.1st.DSA..0.No..1.yes </a:t>
+                      </a:r>
+                    </a:p>
+                  </a:txBody>
+                  <a:tcPr/>
+                </a:tc>
+                <a:tc>
+                  <a:txBody>
+                    <a:bodyPr/>
+                    <a:lstStyle/>
+                    <a:p>
+                      <a:r>
+                        <a:rPr lang="en-US" dirty="0"/>
+                        <a:t>-0.18</a:t>
+                      </a:r>
+                    </a:p>
+                  </a:txBody>
+                  <a:tcPr/>
+                </a:tc>
+                <a:tc>
+                  <a:txBody>
+                    <a:bodyPr/>
+                    <a:lstStyle/>
+                    <a:p>
+                      <a:r>
+                        <a:rPr lang="da-DK" dirty="0"/>
+                        <a:t>0.18</a:t>
+                      </a:r>
+                      <a:endParaRPr lang="en-US" dirty="0"/>
+                    </a:p>
+                  </a:txBody>
+                  <a:tcPr/>
+                </a:tc>
+                <a:extLst>
+                  <a:ext uri="{0D108BD9-81ED-4DB2-BD59-A6C34878D82A}">
+                    <a16:rowId xmlns:a16="http://schemas.microsoft.com/office/drawing/2014/main" val="1496113318"/>
+                  </a:ext>
+                </a:extLst>
+              </a:tr>
+              <a:tr h="370840">
+                <a:tc>
+                  <a:txBody>
+                    <a:bodyPr/>
+                    <a:lstStyle/>
+                    <a:p>
+                      <a:r>
+                        <a:rPr lang="en-US" sz="900" dirty="0"/>
+                        <a:t>new.draining.vein.compared.to.1st.DSA..0.No..1.yes </a:t>
+                      </a:r>
+                    </a:p>
+                  </a:txBody>
+                  <a:tcPr/>
+                </a:tc>
+                <a:tc>
+                  <a:txBody>
+                    <a:bodyPr/>
+                    <a:lstStyle/>
+                    <a:p>
+                      <a:r>
+                        <a:rPr lang="en-US" dirty="0"/>
+                        <a:t>0.24</a:t>
+                      </a:r>
+                    </a:p>
+                  </a:txBody>
+                  <a:tcPr/>
+                </a:tc>
+                <a:tc>
+                  <a:txBody>
+                    <a:bodyPr/>
+                    <a:lstStyle/>
+                    <a:p>
+                      <a:r>
+                        <a:rPr lang="da-DK" dirty="0"/>
+                        <a:t>0.06</a:t>
+                      </a:r>
+                      <a:endParaRPr lang="en-US" dirty="0"/>
+                    </a:p>
+                  </a:txBody>
+                  <a:tcPr/>
+                </a:tc>
+                <a:extLst>
+                  <a:ext uri="{0D108BD9-81ED-4DB2-BD59-A6C34878D82A}">
+                    <a16:rowId xmlns:a16="http://schemas.microsoft.com/office/drawing/2014/main" val="4277167233"/>
+                  </a:ext>
+                </a:extLst>
+              </a:tr>
+              <a:tr h="370840">
+                <a:tc>
+                  <a:txBody>
+                    <a:bodyPr/>
+                    <a:lstStyle/>
+                    <a:p>
+                      <a:r>
+                        <a:rPr lang="en-US" sz="900" dirty="0"/>
+                        <a:t>Changes.between.first.and.2nd.DSA..0.no..1.yes</a:t>
+                      </a:r>
+                    </a:p>
+                  </a:txBody>
+                  <a:tcPr/>
+                </a:tc>
+                <a:tc>
+                  <a:txBody>
+                    <a:bodyPr/>
+                    <a:lstStyle/>
+                    <a:p>
+                      <a:r>
+                        <a:rPr lang="en-US" dirty="0"/>
+                        <a:t>0.27</a:t>
+                      </a:r>
+                    </a:p>
+                  </a:txBody>
+                  <a:tcPr/>
+                </a:tc>
+                <a:tc>
+                  <a:txBody>
+                    <a:bodyPr/>
+                    <a:lstStyle/>
+                    <a:p>
+                      <a:r>
+                        <a:rPr lang="da-DK" b="1" dirty="0">
+                          <a:solidFill>
+                            <a:srgbClr val="FF0000"/>
+                          </a:solidFill>
+                        </a:rPr>
+                        <a:t>&lt; 0.05</a:t>
+                      </a:r>
+                      <a:endParaRPr lang="en-US" b="1" dirty="0">
+                        <a:solidFill>
+                          <a:srgbClr val="FF0000"/>
+                        </a:solidFill>
+                      </a:endParaRPr>
+                    </a:p>
+                  </a:txBody>
+                  <a:tcPr/>
+                </a:tc>
+                <a:extLst>
+                  <a:ext uri="{0D108BD9-81ED-4DB2-BD59-A6C34878D82A}">
+                    <a16:rowId xmlns:a16="http://schemas.microsoft.com/office/drawing/2014/main" val="3070014352"/>
+                  </a:ext>
+                </a:extLst>
+              </a:tr>
+              <a:tr h="370840">
+                <a:tc>
+                  <a:txBody>
+                    <a:bodyPr/>
+                    <a:lstStyle/>
+                    <a:p>
+                      <a:r>
+                        <a:rPr lang="en-US" sz="900" dirty="0" err="1"/>
+                        <a:t>Report..Bigger</a:t>
+                      </a:r>
+                      <a:r>
+                        <a:rPr lang="en-US" sz="900" dirty="0"/>
+                        <a:t>...0.no..1.yes </a:t>
+                      </a:r>
+                    </a:p>
+                  </a:txBody>
+                  <a:tcPr/>
+                </a:tc>
+                <a:tc>
+                  <a:txBody>
+                    <a:bodyPr/>
+                    <a:lstStyle/>
+                    <a:p>
+                      <a:r>
+                        <a:rPr lang="en-US" dirty="0"/>
+                        <a:t>-0.15</a:t>
+                      </a:r>
+                    </a:p>
+                  </a:txBody>
+                  <a:tcPr/>
+                </a:tc>
+                <a:tc>
+                  <a:txBody>
+                    <a:bodyPr/>
+                    <a:lstStyle/>
+                    <a:p>
+                      <a:r>
+                        <a:rPr lang="da-DK" dirty="0"/>
+                        <a:t>0.24</a:t>
+                      </a:r>
+                      <a:endParaRPr lang="en-US" dirty="0"/>
+                    </a:p>
+                  </a:txBody>
+                  <a:tcPr/>
+                </a:tc>
+                <a:extLst>
+                  <a:ext uri="{0D108BD9-81ED-4DB2-BD59-A6C34878D82A}">
+                    <a16:rowId xmlns:a16="http://schemas.microsoft.com/office/drawing/2014/main" val="2082920138"/>
+                  </a:ext>
+                </a:extLst>
+              </a:tr>
+              <a:tr h="370840">
+                <a:tc>
+                  <a:txBody>
+                    <a:bodyPr/>
+                    <a:lstStyle/>
+                    <a:p>
+                      <a:r>
+                        <a:rPr lang="en-US" sz="900" dirty="0" err="1"/>
+                        <a:t>Report..Smaller</a:t>
+                      </a:r>
+                      <a:r>
+                        <a:rPr lang="en-US" sz="900" dirty="0"/>
+                        <a:t>...0.no..1.yes </a:t>
+                      </a:r>
+                    </a:p>
+                  </a:txBody>
+                  <a:tcPr/>
+                </a:tc>
+                <a:tc>
+                  <a:txBody>
+                    <a:bodyPr/>
+                    <a:lstStyle/>
+                    <a:p>
+                      <a:r>
+                        <a:rPr lang="en-US" dirty="0"/>
+                        <a:t>0.52 </a:t>
+                      </a:r>
+                    </a:p>
+                  </a:txBody>
+                  <a:tcPr/>
+                </a:tc>
+                <a:tc>
+                  <a:txBody>
+                    <a:bodyPr/>
+                    <a:lstStyle/>
+                    <a:p>
+                      <a:r>
+                        <a:rPr lang="da-DK" b="1" dirty="0">
+                          <a:solidFill>
+                            <a:srgbClr val="FF0000"/>
+                          </a:solidFill>
+                        </a:rPr>
+                        <a:t>&lt; 0.05</a:t>
+                      </a:r>
+                      <a:endParaRPr lang="en-US" b="1" dirty="0">
+                        <a:solidFill>
+                          <a:srgbClr val="FF0000"/>
+                        </a:solidFill>
+                      </a:endParaRPr>
+                    </a:p>
+                  </a:txBody>
+                  <a:tcPr/>
+                </a:tc>
+                <a:extLst>
+                  <a:ext uri="{0D108BD9-81ED-4DB2-BD59-A6C34878D82A}">
+                    <a16:rowId xmlns:a16="http://schemas.microsoft.com/office/drawing/2014/main" val="592166747"/>
+                  </a:ext>
+                </a:extLst>
+              </a:tr>
+              <a:tr h="370840">
+                <a:tc>
+                  <a:txBody>
+                    <a:bodyPr/>
+                    <a:lstStyle/>
+                    <a:p>
+                      <a:r>
+                        <a:rPr lang="en-US" sz="900" dirty="0" err="1"/>
+                        <a:t>Report..Same</a:t>
+                      </a:r>
+                      <a:r>
+                        <a:rPr lang="en-US" sz="900" dirty="0"/>
+                        <a:t>...0.no..1.yes </a:t>
+                      </a:r>
+                    </a:p>
+                  </a:txBody>
+                  <a:tcPr/>
+                </a:tc>
+                <a:tc>
+                  <a:txBody>
+                    <a:bodyPr/>
+                    <a:lstStyle/>
+                    <a:p>
+                      <a:r>
+                        <a:rPr lang="en-US" dirty="0"/>
+                        <a:t>-0.22</a:t>
+                      </a:r>
+                    </a:p>
+                  </a:txBody>
+                  <a:tcPr/>
+                </a:tc>
+                <a:tc>
+                  <a:txBody>
+                    <a:bodyPr/>
+                    <a:lstStyle/>
+                    <a:p>
+                      <a:r>
+                        <a:rPr lang="da-DK" dirty="0"/>
+                        <a:t>0.1</a:t>
+                      </a:r>
+                      <a:endParaRPr lang="en-US" dirty="0"/>
+                    </a:p>
+                  </a:txBody>
+                  <a:tcPr/>
+                </a:tc>
+                <a:extLst>
+                  <a:ext uri="{0D108BD9-81ED-4DB2-BD59-A6C34878D82A}">
+                    <a16:rowId xmlns:a16="http://schemas.microsoft.com/office/drawing/2014/main" val="346606745"/>
+                  </a:ext>
+                </a:extLst>
+              </a:tr>
+              <a:tr h="370840">
+                <a:tc>
+                  <a:txBody>
+                    <a:bodyPr/>
+                    <a:lstStyle/>
+                    <a:p>
+                      <a:r>
+                        <a:rPr lang="en-US" sz="900" dirty="0"/>
+                        <a:t>Report..</a:t>
+                      </a:r>
+                      <a:r>
+                        <a:rPr lang="en-US" sz="900" dirty="0" err="1"/>
+                        <a:t>New.nidus</a:t>
+                      </a:r>
+                      <a:r>
+                        <a:rPr lang="en-US" sz="900" dirty="0"/>
+                        <a:t>...0.no..1.yes </a:t>
+                      </a:r>
+                    </a:p>
+                  </a:txBody>
+                  <a:tcPr/>
+                </a:tc>
+                <a:tc>
+                  <a:txBody>
+                    <a:bodyPr/>
+                    <a:lstStyle/>
+                    <a:p>
+                      <a:r>
+                        <a:rPr lang="en-US" dirty="0"/>
+                        <a:t>-0.10</a:t>
+                      </a:r>
+                    </a:p>
+                  </a:txBody>
+                  <a:tcPr/>
+                </a:tc>
+                <a:tc>
+                  <a:txBody>
+                    <a:bodyPr/>
+                    <a:lstStyle/>
+                    <a:p>
+                      <a:r>
+                        <a:rPr lang="da-DK" dirty="0"/>
+                        <a:t>0.44</a:t>
+                      </a:r>
+                      <a:endParaRPr lang="en-US" dirty="0"/>
+                    </a:p>
+                  </a:txBody>
+                  <a:tcPr/>
+                </a:tc>
+                <a:extLst>
+                  <a:ext uri="{0D108BD9-81ED-4DB2-BD59-A6C34878D82A}">
+                    <a16:rowId xmlns:a16="http://schemas.microsoft.com/office/drawing/2014/main" val="3339520051"/>
+                  </a:ext>
+                </a:extLst>
+              </a:tr>
+              <a:tr h="370840">
+                <a:tc>
+                  <a:txBody>
+                    <a:bodyPr/>
+                    <a:lstStyle/>
+                    <a:p>
+                      <a:r>
+                        <a:rPr lang="en-US" sz="900" dirty="0" err="1"/>
+                        <a:t>Time.last.DSA</a:t>
+                      </a:r>
+                      <a:r>
+                        <a:rPr lang="en-US" sz="900" dirty="0"/>
+                        <a:t> </a:t>
+                      </a:r>
+                    </a:p>
+                  </a:txBody>
+                  <a:tcPr/>
+                </a:tc>
+                <a:tc>
+                  <a:txBody>
+                    <a:bodyPr/>
+                    <a:lstStyle/>
+                    <a:p>
+                      <a:r>
+                        <a:rPr lang="en-US" dirty="0"/>
+                        <a:t>0.09</a:t>
+                      </a:r>
+                    </a:p>
+                  </a:txBody>
+                  <a:tcPr/>
+                </a:tc>
+                <a:tc>
+                  <a:txBody>
+                    <a:bodyPr/>
+                    <a:lstStyle/>
+                    <a:p>
+                      <a:r>
+                        <a:rPr lang="da-DK" dirty="0"/>
+                        <a:t>0.52</a:t>
+                      </a:r>
+                      <a:endParaRPr lang="en-US" dirty="0"/>
+                    </a:p>
+                  </a:txBody>
+                  <a:tcPr/>
+                </a:tc>
+                <a:extLst>
+                  <a:ext uri="{0D108BD9-81ED-4DB2-BD59-A6C34878D82A}">
+                    <a16:rowId xmlns:a16="http://schemas.microsoft.com/office/drawing/2014/main" val="797212933"/>
+                  </a:ext>
+                </a:extLst>
+              </a:tr>
+              <a:tr h="370840">
+                <a:tc>
+                  <a:txBody>
+                    <a:bodyPr/>
+                    <a:lstStyle/>
+                    <a:p>
+                      <a:r>
+                        <a:rPr lang="en-US" sz="900" dirty="0"/>
+                        <a:t>Last.DSA..</a:t>
+                      </a:r>
+                      <a:r>
+                        <a:rPr lang="en-US" sz="900" dirty="0" err="1"/>
+                        <a:t>complete.occlusion</a:t>
+                      </a:r>
+                      <a:r>
+                        <a:rPr lang="en-US" sz="900" dirty="0"/>
+                        <a:t> </a:t>
+                      </a:r>
+                    </a:p>
+                  </a:txBody>
+                  <a:tcPr/>
+                </a:tc>
+                <a:tc>
+                  <a:txBody>
+                    <a:bodyPr/>
+                    <a:lstStyle/>
+                    <a:p>
+                      <a:r>
+                        <a:rPr lang="en-US" dirty="0"/>
+                        <a:t>0.24</a:t>
+                      </a:r>
+                    </a:p>
+                  </a:txBody>
+                  <a:tcPr/>
+                </a:tc>
+                <a:tc>
+                  <a:txBody>
+                    <a:bodyPr/>
+                    <a:lstStyle/>
+                    <a:p>
+                      <a:r>
+                        <a:rPr lang="da-DK" dirty="0"/>
+                        <a:t>0.06</a:t>
+                      </a:r>
+                      <a:endParaRPr lang="en-US" dirty="0"/>
+                    </a:p>
+                  </a:txBody>
+                  <a:tcPr/>
+                </a:tc>
+                <a:extLst>
+                  <a:ext uri="{0D108BD9-81ED-4DB2-BD59-A6C34878D82A}">
+                    <a16:rowId xmlns:a16="http://schemas.microsoft.com/office/drawing/2014/main" val="3264580948"/>
+                  </a:ext>
+                </a:extLst>
+              </a:tr>
+              <a:tr h="370840">
+                <a:tc>
+                  <a:txBody>
+                    <a:bodyPr/>
+                    <a:lstStyle/>
+                    <a:p>
+                      <a:endParaRPr lang="en-US" sz="900" dirty="0"/>
+                    </a:p>
+                  </a:txBody>
+                  <a:tcPr/>
+                </a:tc>
+                <a:tc>
+                  <a:txBody>
+                    <a:bodyPr/>
+                    <a:lstStyle/>
+                    <a:p>
+                      <a:endParaRPr lang="en-US" dirty="0"/>
+                    </a:p>
+                  </a:txBody>
+                  <a:tcPr/>
+                </a:tc>
+                <a:tc>
+                  <a:txBody>
+                    <a:bodyPr/>
+                    <a:lstStyle/>
+                    <a:p>
+                      <a:endParaRPr lang="en-US" dirty="0"/>
+                    </a:p>
+                  </a:txBody>
+                  <a:tcPr/>
+                </a:tc>
+                <a:extLst>
+                  <a:ext uri="{0D108BD9-81ED-4DB2-BD59-A6C34878D82A}">
+                    <a16:rowId xmlns:a16="http://schemas.microsoft.com/office/drawing/2014/main" val="688173066"/>
+                  </a:ext>
+                </a:extLst>
+              </a:tr>
+              <a:tr h="370840">
+                <a:tc>
+                  <a:txBody>
+                    <a:bodyPr/>
+                    <a:lstStyle/>
+                    <a:p>
+                      <a:endParaRPr lang="en-US" sz="900" dirty="0"/>
+                    </a:p>
+                  </a:txBody>
+                  <a:tcPr/>
+                </a:tc>
+                <a:tc>
+                  <a:txBody>
+                    <a:bodyPr/>
+                    <a:lstStyle/>
+                    <a:p>
+                      <a:endParaRPr lang="en-US" dirty="0"/>
+                    </a:p>
+                  </a:txBody>
+                  <a:tcPr/>
+                </a:tc>
+                <a:tc>
+                  <a:txBody>
+                    <a:bodyPr/>
+                    <a:lstStyle/>
+                    <a:p>
+                      <a:endParaRPr lang="en-US" dirty="0"/>
+                    </a:p>
+                  </a:txBody>
+                  <a:tcPr/>
+                </a:tc>
+                <a:extLst>
+                  <a:ext uri="{0D108BD9-81ED-4DB2-BD59-A6C34878D82A}">
+                    <a16:rowId xmlns:a16="http://schemas.microsoft.com/office/drawing/2014/main" val="1322780979"/>
+                  </a:ext>
+                </a:extLst>
+              </a:tr>
+              <a:tr h="370840">
+                <a:tc>
+                  <a:txBody>
+                    <a:bodyPr/>
+                    <a:lstStyle/>
+                    <a:p>
+                      <a:endParaRPr lang="en-US" sz="900" dirty="0"/>
+                    </a:p>
+                  </a:txBody>
+                  <a:tcPr/>
+                </a:tc>
+                <a:tc>
+                  <a:txBody>
+                    <a:bodyPr/>
+                    <a:lstStyle/>
+                    <a:p>
+                      <a:endParaRPr lang="en-US" dirty="0"/>
+                    </a:p>
+                  </a:txBody>
+                  <a:tcPr/>
+                </a:tc>
+                <a:tc>
+                  <a:txBody>
+                    <a:bodyPr/>
+                    <a:lstStyle/>
+                    <a:p>
+                      <a:endParaRPr lang="en-US" dirty="0"/>
+                    </a:p>
+                  </a:txBody>
+                  <a:tcPr/>
+                </a:tc>
+                <a:extLst>
+                  <a:ext uri="{0D108BD9-81ED-4DB2-BD59-A6C34878D82A}">
+                    <a16:rowId xmlns:a16="http://schemas.microsoft.com/office/drawing/2014/main" val="38381525"/>
+                  </a:ext>
+                </a:extLst>
+              </a:tr>
+              <a:tr h="370840">
+                <a:tc>
+                  <a:txBody>
+                    <a:bodyPr/>
+                    <a:lstStyle/>
+                    <a:p>
+                      <a:endParaRPr lang="en-US" sz="900" dirty="0"/>
+                    </a:p>
+                  </a:txBody>
+                  <a:tcPr/>
+                </a:tc>
+                <a:tc>
+                  <a:txBody>
+                    <a:bodyPr/>
+                    <a:lstStyle/>
+                    <a:p>
+                      <a:endParaRPr lang="en-US" dirty="0"/>
+                    </a:p>
+                  </a:txBody>
+                  <a:tcPr/>
+                </a:tc>
+                <a:tc>
+                  <a:txBody>
+                    <a:bodyPr/>
+                    <a:lstStyle/>
+                    <a:p>
+                      <a:endParaRPr lang="en-US" dirty="0"/>
+                    </a:p>
+                  </a:txBody>
+                  <a:tcPr/>
+                </a:tc>
+                <a:extLst>
+                  <a:ext uri="{0D108BD9-81ED-4DB2-BD59-A6C34878D82A}">
+                    <a16:rowId xmlns:a16="http://schemas.microsoft.com/office/drawing/2014/main" val="2338992624"/>
+                  </a:ext>
+                </a:extLst>
+              </a:tr>
+              <a:tr h="370840">
+                <a:tc>
+                  <a:txBody>
+                    <a:bodyPr/>
+                    <a:lstStyle/>
+                    <a:p>
+                      <a:endParaRPr lang="en-US" sz="900" dirty="0"/>
+                    </a:p>
+                  </a:txBody>
+                  <a:tcPr/>
+                </a:tc>
+                <a:tc>
+                  <a:txBody>
+                    <a:bodyPr/>
+                    <a:lstStyle/>
+                    <a:p>
+                      <a:endParaRPr lang="en-US" dirty="0"/>
+                    </a:p>
+                  </a:txBody>
+                  <a:tcPr/>
+                </a:tc>
+                <a:tc>
+                  <a:txBody>
+                    <a:bodyPr/>
+                    <a:lstStyle/>
+                    <a:p>
+                      <a:endParaRPr lang="en-US" dirty="0"/>
+                    </a:p>
+                  </a:txBody>
+                  <a:tcPr/>
+                </a:tc>
+                <a:extLst>
+                  <a:ext uri="{0D108BD9-81ED-4DB2-BD59-A6C34878D82A}">
+                    <a16:rowId xmlns:a16="http://schemas.microsoft.com/office/drawing/2014/main" val="2105761698"/>
+                  </a:ext>
+                </a:extLst>
+              </a:tr>
+              <a:tr h="370840">
+                <a:tc>
+                  <a:txBody>
+                    <a:bodyPr/>
+                    <a:lstStyle/>
+                    <a:p>
+                      <a:endParaRPr lang="en-US" sz="900" dirty="0"/>
+                    </a:p>
+                  </a:txBody>
+                  <a:tcPr/>
+                </a:tc>
+                <a:tc>
+                  <a:txBody>
+                    <a:bodyPr/>
+                    <a:lstStyle/>
+                    <a:p>
+                      <a:endParaRPr lang="en-US" dirty="0"/>
+                    </a:p>
+                  </a:txBody>
+                  <a:tcPr/>
+                </a:tc>
+                <a:tc>
+                  <a:txBody>
+                    <a:bodyPr/>
+                    <a:lstStyle/>
+                    <a:p>
+                      <a:endParaRPr lang="en-US" dirty="0"/>
+                    </a:p>
+                  </a:txBody>
+                  <a:tcPr/>
+                </a:tc>
+                <a:extLst>
+                  <a:ext uri="{0D108BD9-81ED-4DB2-BD59-A6C34878D82A}">
+                    <a16:rowId xmlns:a16="http://schemas.microsoft.com/office/drawing/2014/main" val="678682156"/>
+                  </a:ext>
+                </a:extLst>
+              </a:tr>
+            </a:tbl>
+          </a:graphicData>
+        </a:graphic>
+      </p:graphicFrame>
+    </p:spTree>
+    <p:extLst>
+      <p:ext uri="{BB962C8B-B14F-4D97-AF65-F5344CB8AC3E}">
+        <p14:creationId xmlns:p14="http://schemas.microsoft.com/office/powerpoint/2010/main" val="3083927278"/>
       </p:ext>
     </p:extLst>
   </p:cSld>
